--- a/wiki_files/NEXCORE UML Modeler_Quick Guide.pptx
+++ b/wiki_files/NEXCORE UML Modeler_Quick Guide.pptx
@@ -2937,8 +2937,8 @@
         </p:nvSpPr>
         <p:spPr>
           <a:xfrm>
-            <a:off x="685800" y="3212976"/>
-            <a:ext cx="7772400" cy="1470025"/>
+            <a:off x="685800" y="3212977"/>
+            <a:ext cx="7772400" cy="792088"/>
           </a:xfrm>
           <a:prstGeom prst="rect">
             <a:avLst/>
@@ -3059,7 +3059,7 @@
         </p:nvSpPr>
         <p:spPr>
           <a:xfrm>
-            <a:off x="3537724" y="4238476"/>
+            <a:off x="3537724" y="3789040"/>
             <a:ext cx="3886200" cy="1470025"/>
           </a:xfrm>
           <a:prstGeom prst="rect">
@@ -4558,18 +4558,9 @@
               <a:buChar char="Ø"/>
             </a:pPr>
             <a:r>
-              <a:rPr lang="ko-KR" altLang="en-US" sz="1400" dirty="0" smtClean="0"/>
-              <a:t>플러그인 </a:t>
-            </a:r>
-            <a:r>
-              <a:rPr lang="ko-KR" altLang="en-US" sz="1400" dirty="0" smtClean="0"/>
-              <a:t>다운로드 </a:t>
-            </a:r>
-            <a:r>
               <a:rPr lang="en-US" altLang="ko-KR" sz="1400" dirty="0" smtClean="0"/>
-              <a:t>: </a:t>
-            </a:r>
-            <a:endParaRPr lang="en-US" altLang="ko-KR" sz="1400" dirty="0" smtClean="0"/>
+              <a:t>Download our plug-in for Eclipse</a:t>
+            </a:r>
           </a:p>
           <a:p>
             <a:pPr marL="285750" indent="-285750">
@@ -5111,500 +5102,494 @@
           <a:chExt cx="0" cy="0"/>
         </a:xfrm>
       </p:grpSpPr>
-      <p:pic>
-        <p:nvPicPr>
-          <p:cNvPr id="1026" name="Picture 2"/>
-          <p:cNvPicPr>
-            <a:picLocks noChangeAspect="1" noChangeArrowheads="1"/>
-          </p:cNvPicPr>
+      <p:sp>
+        <p:nvSpPr>
+          <p:cNvPr id="4" name="직사각형 3"/>
+          <p:cNvSpPr/>
           <p:nvPr/>
-        </p:nvPicPr>
-        <p:blipFill>
-          <a:blip r:embed="rId2">
+        </p:nvSpPr>
+        <p:spPr>
+          <a:xfrm>
+            <a:off x="251520" y="600400"/>
+            <a:ext cx="8712968" cy="338554"/>
+          </a:xfrm>
+          <a:prstGeom prst="rect">
+            <a:avLst/>
+          </a:prstGeom>
+        </p:spPr>
+        <p:txBody>
+          <a:bodyPr wrap="square">
+            <a:spAutoFit/>
+          </a:bodyPr>
+          <a:lstStyle/>
+          <a:p>
+            <a:r>
+              <a:rPr lang="en-US" altLang="ko-KR" sz="1600" dirty="0" smtClean="0"/>
+              <a:t>Install our plug-in :  </a:t>
+            </a:r>
+            <a:r>
+              <a:rPr lang="ko-KR" altLang="en-US" sz="1600" dirty="0" err="1" smtClean="0"/>
+              <a:t>이클립스</a:t>
+            </a:r>
+            <a:r>
+              <a:rPr lang="ko-KR" altLang="en-US" sz="1600" dirty="0" smtClean="0"/>
+              <a:t> 실행 </a:t>
+            </a:r>
+            <a:r>
+              <a:rPr lang="en-US" altLang="ko-KR" sz="1600" dirty="0" smtClean="0"/>
+              <a:t>&gt; Help </a:t>
+            </a:r>
+            <a:r>
+              <a:rPr lang="ko-KR" altLang="en-US" sz="1600" dirty="0" smtClean="0"/>
+              <a:t>메뉴 </a:t>
+            </a:r>
+            <a:r>
+              <a:rPr lang="en-US" altLang="ko-KR" sz="1600" dirty="0" smtClean="0"/>
+              <a:t>&gt; Install New Software…</a:t>
+            </a:r>
+          </a:p>
+        </p:txBody>
+      </p:sp>
+      <p:grpSp>
+        <p:nvGrpSpPr>
+          <p:cNvPr id="2" name="그룹 1"/>
+          <p:cNvGrpSpPr/>
+          <p:nvPr/>
+        </p:nvGrpSpPr>
+        <p:grpSpPr>
+          <a:xfrm>
+            <a:off x="672261" y="1065019"/>
+            <a:ext cx="8136904" cy="5471059"/>
+            <a:chOff x="303649" y="1065019"/>
+            <a:chExt cx="8136904" cy="5471059"/>
+          </a:xfrm>
+        </p:grpSpPr>
+        <p:pic>
+          <p:nvPicPr>
+            <p:cNvPr id="1026" name="Picture 2"/>
+            <p:cNvPicPr>
+              <a:picLocks noChangeAspect="1" noChangeArrowheads="1"/>
+            </p:cNvPicPr>
+            <p:nvPr/>
+          </p:nvPicPr>
+          <p:blipFill>
+            <a:blip r:embed="rId2">
+              <a:extLst>
+                <a:ext uri="{28A0092B-C50C-407E-A947-70E740481C1C}">
+                  <a14:useLocalDpi xmlns:a14="http://schemas.microsoft.com/office/drawing/2010/main" val="0"/>
+                </a:ext>
+              </a:extLst>
+            </a:blip>
+            <a:srcRect/>
+            <a:stretch>
+              <a:fillRect/>
+            </a:stretch>
+          </p:blipFill>
+          <p:spPr bwMode="auto">
+            <a:xfrm>
+              <a:off x="303649" y="1065019"/>
+              <a:ext cx="5420479" cy="5471059"/>
+            </a:xfrm>
+            <a:prstGeom prst="rect">
+              <a:avLst/>
+            </a:prstGeom>
+            <a:noFill/>
+            <a:ln>
+              <a:noFill/>
+            </a:ln>
             <a:extLst>
-              <a:ext uri="{28A0092B-C50C-407E-A947-70E740481C1C}">
-                <a14:useLocalDpi xmlns:a14="http://schemas.microsoft.com/office/drawing/2010/main" val="0"/>
+              <a:ext uri="{909E8E84-426E-40DD-AFC4-6F175D3DCCD1}">
+                <a14:hiddenFill xmlns:a14="http://schemas.microsoft.com/office/drawing/2010/main">
+                  <a:solidFill>
+                    <a:schemeClr val="accent1"/>
+                  </a:solidFill>
+                </a14:hiddenFill>
+              </a:ext>
+              <a:ext uri="{91240B29-F687-4F45-9708-019B960494DF}">
+                <a14:hiddenLine xmlns:a14="http://schemas.microsoft.com/office/drawing/2010/main" w="9525">
+                  <a:solidFill>
+                    <a:schemeClr val="tx1"/>
+                  </a:solidFill>
+                  <a:miter lim="800000"/>
+                  <a:headEnd/>
+                  <a:tailEnd/>
+                </a14:hiddenLine>
               </a:ext>
             </a:extLst>
-          </a:blip>
-          <a:srcRect/>
-          <a:stretch>
-            <a:fillRect/>
-          </a:stretch>
-        </p:blipFill>
-        <p:spPr bwMode="auto">
-          <a:xfrm>
-            <a:off x="303649" y="1065019"/>
-            <a:ext cx="5420479" cy="5471059"/>
-          </a:xfrm>
-          <a:prstGeom prst="rect">
-            <a:avLst/>
-          </a:prstGeom>
-          <a:noFill/>
-          <a:ln>
-            <a:noFill/>
-          </a:ln>
-          <a:extLst>
-            <a:ext uri="{909E8E84-426E-40DD-AFC4-6F175D3DCCD1}">
-              <a14:hiddenFill xmlns:a14="http://schemas.microsoft.com/office/drawing/2010/main">
-                <a:solidFill>
-                  <a:schemeClr val="accent1"/>
-                </a:solidFill>
-              </a14:hiddenFill>
-            </a:ext>
-            <a:ext uri="{91240B29-F687-4F45-9708-019B960494DF}">
-              <a14:hiddenLine xmlns:a14="http://schemas.microsoft.com/office/drawing/2010/main" w="9525">
-                <a:solidFill>
-                  <a:schemeClr val="tx1"/>
-                </a:solidFill>
-                <a:miter lim="800000"/>
-                <a:headEnd/>
-                <a:tailEnd/>
-              </a14:hiddenLine>
-            </a:ext>
-          </a:extLst>
-        </p:spPr>
-      </p:pic>
-      <p:sp>
-        <p:nvSpPr>
-          <p:cNvPr id="12" name="모서리가 둥근 사각형 설명선 11"/>
-          <p:cNvSpPr/>
-          <p:nvPr/>
-        </p:nvSpPr>
-        <p:spPr>
-          <a:xfrm>
-            <a:off x="5724128" y="3939313"/>
-            <a:ext cx="2716425" cy="467118"/>
-          </a:xfrm>
-          <a:prstGeom prst="wedgeRoundRectCallout">
-            <a:avLst>
-              <a:gd name="adj1" fmla="val -129256"/>
-              <a:gd name="adj2" fmla="val -131853"/>
-              <a:gd name="adj3" fmla="val 16667"/>
-            </a:avLst>
-          </a:prstGeom>
-        </p:spPr>
-        <p:style>
-          <a:lnRef idx="1">
-            <a:schemeClr val="accent3"/>
-          </a:lnRef>
-          <a:fillRef idx="2">
-            <a:schemeClr val="accent3"/>
-          </a:fillRef>
-          <a:effectRef idx="1">
-            <a:schemeClr val="accent3"/>
-          </a:effectRef>
-          <a:fontRef idx="minor">
-            <a:schemeClr val="dk1"/>
-          </a:fontRef>
-        </p:style>
-        <p:txBody>
-          <a:bodyPr rtlCol="0" anchor="ctr"/>
-          <a:lstStyle/>
-          <a:p>
-            <a:pPr algn="ctr"/>
-            <a:r>
-              <a:rPr lang="en-US" altLang="ko-KR" sz="1200" dirty="0" smtClean="0">
+          </p:spPr>
+        </p:pic>
+        <p:sp>
+          <p:nvSpPr>
+            <p:cNvPr id="12" name="모서리가 둥근 사각형 설명선 11"/>
+            <p:cNvSpPr/>
+            <p:nvPr/>
+          </p:nvSpPr>
+          <p:spPr>
+            <a:xfrm>
+              <a:off x="5724128" y="3939313"/>
+              <a:ext cx="2716425" cy="467118"/>
+            </a:xfrm>
+            <a:prstGeom prst="wedgeRoundRectCallout">
+              <a:avLst>
+                <a:gd name="adj1" fmla="val -129256"/>
+                <a:gd name="adj2" fmla="val -131853"/>
+                <a:gd name="adj3" fmla="val 16667"/>
+              </a:avLst>
+            </a:prstGeom>
+          </p:spPr>
+          <p:style>
+            <a:lnRef idx="1">
+              <a:schemeClr val="accent3"/>
+            </a:lnRef>
+            <a:fillRef idx="2">
+              <a:schemeClr val="accent3"/>
+            </a:fillRef>
+            <a:effectRef idx="1">
+              <a:schemeClr val="accent3"/>
+            </a:effectRef>
+            <a:fontRef idx="minor">
+              <a:schemeClr val="dk1"/>
+            </a:fontRef>
+          </p:style>
+          <p:txBody>
+            <a:bodyPr rtlCol="0" anchor="ctr"/>
+            <a:lstStyle/>
+            <a:p>
+              <a:pPr algn="ctr"/>
+              <a:r>
+                <a:rPr lang="en-US" altLang="ko-KR" sz="1200" dirty="0" smtClean="0">
+                  <a:solidFill>
+                    <a:schemeClr val="dk1"/>
+                  </a:solidFill>
+                </a:rPr>
+                <a:t>3. Select our file</a:t>
+              </a:r>
+            </a:p>
+            <a:p>
+              <a:pPr algn="ctr"/>
+              <a:r>
+                <a:rPr lang="en-US" altLang="ko-KR" sz="1200" dirty="0" smtClean="0">
+                  <a:solidFill>
+                    <a:schemeClr val="dk1"/>
+                  </a:solidFill>
+                </a:rPr>
+                <a:t>NEXCORE UML Modeler_PlugIn.zip</a:t>
+              </a:r>
+              <a:endParaRPr lang="ko-KR" altLang="en-US" sz="1200" dirty="0">
                 <a:solidFill>
                   <a:schemeClr val="dk1"/>
                 </a:solidFill>
-              </a:rPr>
-              <a:t>3. </a:t>
-            </a:r>
-            <a:r>
-              <a:rPr lang="ko-KR" altLang="en-US" sz="1200" dirty="0" smtClean="0">
+              </a:endParaRPr>
+            </a:p>
+          </p:txBody>
+        </p:sp>
+        <p:sp>
+          <p:nvSpPr>
+            <p:cNvPr id="5" name="모서리가 둥근 사각형 설명선 4"/>
+            <p:cNvSpPr/>
+            <p:nvPr/>
+          </p:nvSpPr>
+          <p:spPr>
+            <a:xfrm>
+              <a:off x="5724128" y="2793211"/>
+              <a:ext cx="1260140" cy="363732"/>
+            </a:xfrm>
+            <a:prstGeom prst="wedgeRoundRectCallout">
+              <a:avLst>
+                <a:gd name="adj1" fmla="val -126979"/>
+                <a:gd name="adj2" fmla="val 138813"/>
+                <a:gd name="adj3" fmla="val 16667"/>
+              </a:avLst>
+            </a:prstGeom>
+          </p:spPr>
+          <p:style>
+            <a:lnRef idx="1">
+              <a:schemeClr val="accent3"/>
+            </a:lnRef>
+            <a:fillRef idx="2">
+              <a:schemeClr val="accent3"/>
+            </a:fillRef>
+            <a:effectRef idx="1">
+              <a:schemeClr val="accent3"/>
+            </a:effectRef>
+            <a:fontRef idx="minor">
+              <a:schemeClr val="dk1"/>
+            </a:fontRef>
+          </p:style>
+          <p:txBody>
+            <a:bodyPr rtlCol="0" anchor="ctr"/>
+            <a:lstStyle/>
+            <a:p>
+              <a:pPr algn="ctr"/>
+              <a:r>
+                <a:rPr lang="en-US" altLang="ko-KR" sz="1200" dirty="0">
+                  <a:solidFill>
+                    <a:schemeClr val="dk1"/>
+                  </a:solidFill>
+                </a:rPr>
+                <a:t>2. </a:t>
+              </a:r>
+              <a:r>
+                <a:rPr lang="en-US" altLang="ko-KR" sz="1200" dirty="0" smtClean="0">
+                  <a:solidFill>
+                    <a:schemeClr val="dk1"/>
+                  </a:solidFill>
+                </a:rPr>
+                <a:t>Click</a:t>
+              </a:r>
+              <a:endParaRPr lang="ko-KR" altLang="en-US" sz="1200" dirty="0">
                 <a:solidFill>
                   <a:schemeClr val="dk1"/>
                 </a:solidFill>
-              </a:rPr>
-              <a:t>파일 선택</a:t>
-            </a:r>
-            <a:endParaRPr lang="en-US" altLang="ko-KR" sz="1200" dirty="0" smtClean="0">
-              <a:solidFill>
-                <a:schemeClr val="dk1"/>
-              </a:solidFill>
-            </a:endParaRPr>
-          </a:p>
-          <a:p>
-            <a:pPr algn="ctr"/>
-            <a:r>
-              <a:rPr lang="en-US" altLang="ko-KR" sz="1200" dirty="0" smtClean="0">
+              </a:endParaRPr>
+            </a:p>
+          </p:txBody>
+        </p:sp>
+        <p:sp>
+          <p:nvSpPr>
+            <p:cNvPr id="10" name="모서리가 둥근 사각형 설명선 9"/>
+            <p:cNvSpPr/>
+            <p:nvPr/>
+          </p:nvSpPr>
+          <p:spPr>
+            <a:xfrm>
+              <a:off x="607537" y="4665419"/>
+              <a:ext cx="1260140" cy="363732"/>
+            </a:xfrm>
+            <a:prstGeom prst="wedgeRoundRectCallout">
+              <a:avLst>
+                <a:gd name="adj1" fmla="val -52508"/>
+                <a:gd name="adj2" fmla="val 91552"/>
+                <a:gd name="adj3" fmla="val 16667"/>
+              </a:avLst>
+            </a:prstGeom>
+          </p:spPr>
+          <p:style>
+            <a:lnRef idx="1">
+              <a:schemeClr val="accent3"/>
+            </a:lnRef>
+            <a:fillRef idx="2">
+              <a:schemeClr val="accent3"/>
+            </a:fillRef>
+            <a:effectRef idx="1">
+              <a:schemeClr val="accent3"/>
+            </a:effectRef>
+            <a:fontRef idx="minor">
+              <a:schemeClr val="dk1"/>
+            </a:fontRef>
+          </p:style>
+          <p:txBody>
+            <a:bodyPr rtlCol="0" anchor="ctr"/>
+            <a:lstStyle/>
+            <a:p>
+              <a:pPr algn="ctr"/>
+              <a:r>
+                <a:rPr lang="en-US" altLang="ko-KR" sz="1200" dirty="0">
+                  <a:solidFill>
+                    <a:schemeClr val="dk1"/>
+                  </a:solidFill>
+                </a:rPr>
+                <a:t>6. </a:t>
+              </a:r>
+              <a:r>
+                <a:rPr lang="en-US" altLang="ko-KR" sz="1200" dirty="0" smtClean="0">
+                  <a:solidFill>
+                    <a:schemeClr val="dk1"/>
+                  </a:solidFill>
+                </a:rPr>
+                <a:t>Uncheck</a:t>
+              </a:r>
+              <a:endParaRPr lang="ko-KR" altLang="en-US" sz="1200" dirty="0">
                 <a:solidFill>
                   <a:schemeClr val="dk1"/>
                 </a:solidFill>
-              </a:rPr>
-              <a:t>NEXCORE UML Modeler_PlugIn.zip</a:t>
-            </a:r>
-            <a:endParaRPr lang="ko-KR" altLang="en-US" sz="1200" dirty="0">
-              <a:solidFill>
-                <a:schemeClr val="dk1"/>
-              </a:solidFill>
-            </a:endParaRPr>
-          </a:p>
-        </p:txBody>
-      </p:sp>
-      <p:sp>
-        <p:nvSpPr>
-          <p:cNvPr id="4" name="직사각형 3"/>
-          <p:cNvSpPr/>
-          <p:nvPr/>
-        </p:nvSpPr>
-        <p:spPr>
-          <a:xfrm>
-            <a:off x="251520" y="600400"/>
-            <a:ext cx="8712968" cy="338554"/>
-          </a:xfrm>
-          <a:prstGeom prst="rect">
-            <a:avLst/>
-          </a:prstGeom>
-        </p:spPr>
-        <p:txBody>
-          <a:bodyPr wrap="square">
-            <a:spAutoFit/>
-          </a:bodyPr>
-          <a:lstStyle/>
-          <a:p>
-            <a:r>
-              <a:rPr lang="ko-KR" altLang="en-US" sz="1600" dirty="0" smtClean="0"/>
-              <a:t>플러그인 업데이트 </a:t>
-            </a:r>
-            <a:r>
-              <a:rPr lang="en-US" altLang="ko-KR" sz="1600" dirty="0" smtClean="0"/>
-              <a:t>: </a:t>
-            </a:r>
-            <a:r>
-              <a:rPr lang="ko-KR" altLang="en-US" sz="1600" dirty="0" err="1" smtClean="0"/>
-              <a:t>이클립스</a:t>
-            </a:r>
-            <a:r>
-              <a:rPr lang="ko-KR" altLang="en-US" sz="1600" dirty="0" smtClean="0"/>
-              <a:t> 실행 </a:t>
-            </a:r>
-            <a:r>
-              <a:rPr lang="en-US" altLang="ko-KR" sz="1600" dirty="0" smtClean="0"/>
-              <a:t>&gt; Help </a:t>
-            </a:r>
-            <a:r>
-              <a:rPr lang="ko-KR" altLang="en-US" sz="1600" dirty="0" smtClean="0"/>
-              <a:t>메뉴 </a:t>
-            </a:r>
-            <a:r>
-              <a:rPr lang="en-US" altLang="ko-KR" sz="1600" dirty="0" smtClean="0"/>
-              <a:t>&gt; Install New Software…</a:t>
-            </a:r>
-          </a:p>
-        </p:txBody>
-      </p:sp>
-      <p:sp>
-        <p:nvSpPr>
-          <p:cNvPr id="5" name="모서리가 둥근 사각형 설명선 4"/>
-          <p:cNvSpPr/>
-          <p:nvPr/>
-        </p:nvSpPr>
-        <p:spPr>
-          <a:xfrm>
-            <a:off x="5724128" y="2793211"/>
-            <a:ext cx="1260140" cy="363732"/>
-          </a:xfrm>
-          <a:prstGeom prst="wedgeRoundRectCallout">
-            <a:avLst>
-              <a:gd name="adj1" fmla="val -126979"/>
-              <a:gd name="adj2" fmla="val 138813"/>
-              <a:gd name="adj3" fmla="val 16667"/>
-            </a:avLst>
-          </a:prstGeom>
-        </p:spPr>
-        <p:style>
-          <a:lnRef idx="1">
-            <a:schemeClr val="accent3"/>
-          </a:lnRef>
-          <a:fillRef idx="2">
-            <a:schemeClr val="accent3"/>
-          </a:fillRef>
-          <a:effectRef idx="1">
-            <a:schemeClr val="accent3"/>
-          </a:effectRef>
-          <a:fontRef idx="minor">
-            <a:schemeClr val="dk1"/>
-          </a:fontRef>
-        </p:style>
-        <p:txBody>
-          <a:bodyPr rtlCol="0" anchor="ctr"/>
-          <a:lstStyle/>
-          <a:p>
-            <a:pPr algn="ctr"/>
-            <a:r>
-              <a:rPr lang="en-US" altLang="ko-KR" sz="1200" dirty="0">
+              </a:endParaRPr>
+            </a:p>
+          </p:txBody>
+        </p:sp>
+        <p:sp>
+          <p:nvSpPr>
+            <p:cNvPr id="15" name="모서리가 둥근 사각형 설명선 14"/>
+            <p:cNvSpPr/>
+            <p:nvPr/>
+          </p:nvSpPr>
+          <p:spPr>
+            <a:xfrm>
+              <a:off x="3707904" y="2505179"/>
+              <a:ext cx="1260140" cy="363732"/>
+            </a:xfrm>
+            <a:prstGeom prst="wedgeRoundRectCallout">
+              <a:avLst>
+                <a:gd name="adj1" fmla="val -126979"/>
+                <a:gd name="adj2" fmla="val 138813"/>
+                <a:gd name="adj3" fmla="val 16667"/>
+              </a:avLst>
+            </a:prstGeom>
+          </p:spPr>
+          <p:style>
+            <a:lnRef idx="1">
+              <a:schemeClr val="accent3"/>
+            </a:lnRef>
+            <a:fillRef idx="2">
+              <a:schemeClr val="accent3"/>
+            </a:fillRef>
+            <a:effectRef idx="1">
+              <a:schemeClr val="accent3"/>
+            </a:effectRef>
+            <a:fontRef idx="minor">
+              <a:schemeClr val="dk1"/>
+            </a:fontRef>
+          </p:style>
+          <p:txBody>
+            <a:bodyPr rtlCol="0" anchor="ctr"/>
+            <a:lstStyle/>
+            <a:p>
+              <a:pPr algn="ctr"/>
+              <a:r>
+                <a:rPr lang="en-US" altLang="ko-KR" sz="1200" dirty="0">
+                  <a:solidFill>
+                    <a:schemeClr val="dk1"/>
+                  </a:solidFill>
+                </a:rPr>
+                <a:t>4. </a:t>
+              </a:r>
+              <a:r>
+                <a:rPr lang="en-US" altLang="ko-KR" sz="1200" dirty="0" smtClean="0"/>
+                <a:t>Write</a:t>
+              </a:r>
+              <a:endParaRPr lang="ko-KR" altLang="en-US" sz="1200" dirty="0">
                 <a:solidFill>
                   <a:schemeClr val="dk1"/>
                 </a:solidFill>
-              </a:rPr>
-              <a:t>2. </a:t>
-            </a:r>
-            <a:r>
-              <a:rPr lang="ko-KR" altLang="en-US" sz="1200" dirty="0">
+              </a:endParaRPr>
+            </a:p>
+          </p:txBody>
+        </p:sp>
+        <p:sp>
+          <p:nvSpPr>
+            <p:cNvPr id="16" name="모서리가 둥근 사각형 설명선 15"/>
+            <p:cNvSpPr/>
+            <p:nvPr/>
+          </p:nvSpPr>
+          <p:spPr>
+            <a:xfrm>
+              <a:off x="3707904" y="4406431"/>
+              <a:ext cx="1032809" cy="432048"/>
+            </a:xfrm>
+            <a:prstGeom prst="wedgeRoundRectCallout">
+              <a:avLst>
+                <a:gd name="adj1" fmla="val -50733"/>
+                <a:gd name="adj2" fmla="val -121266"/>
+                <a:gd name="adj3" fmla="val 16667"/>
+              </a:avLst>
+            </a:prstGeom>
+          </p:spPr>
+          <p:style>
+            <a:lnRef idx="1">
+              <a:schemeClr val="accent3"/>
+            </a:lnRef>
+            <a:fillRef idx="2">
+              <a:schemeClr val="accent3"/>
+            </a:fillRef>
+            <a:effectRef idx="1">
+              <a:schemeClr val="accent3"/>
+            </a:effectRef>
+            <a:fontRef idx="minor">
+              <a:schemeClr val="dk1"/>
+            </a:fontRef>
+          </p:style>
+          <p:txBody>
+            <a:bodyPr rtlCol="0" anchor="ctr"/>
+            <a:lstStyle/>
+            <a:p>
+              <a:pPr algn="ctr"/>
+              <a:r>
+                <a:rPr lang="en-US" altLang="ko-KR" sz="1200" dirty="0">
+                  <a:solidFill>
+                    <a:schemeClr val="dk1"/>
+                  </a:solidFill>
+                </a:rPr>
+                <a:t>5. </a:t>
+              </a:r>
+              <a:r>
+                <a:rPr lang="en-US" altLang="ko-KR" sz="1200" dirty="0" smtClean="0">
+                  <a:solidFill>
+                    <a:schemeClr val="dk1"/>
+                  </a:solidFill>
+                </a:rPr>
+                <a:t>Click</a:t>
+              </a:r>
+              <a:endParaRPr lang="ko-KR" altLang="en-US" sz="1200" dirty="0">
                 <a:solidFill>
                   <a:schemeClr val="dk1"/>
                 </a:solidFill>
-              </a:rPr>
-              <a:t>클릭</a:t>
-            </a:r>
-            <a:endParaRPr lang="ko-KR" altLang="en-US" sz="1200" dirty="0">
-              <a:solidFill>
-                <a:schemeClr val="dk1"/>
-              </a:solidFill>
-            </a:endParaRPr>
-          </a:p>
-        </p:txBody>
-      </p:sp>
-      <p:sp>
-        <p:nvSpPr>
-          <p:cNvPr id="10" name="모서리가 둥근 사각형 설명선 9"/>
-          <p:cNvSpPr/>
-          <p:nvPr/>
-        </p:nvSpPr>
-        <p:spPr>
-          <a:xfrm>
-            <a:off x="607537" y="4665419"/>
-            <a:ext cx="1260140" cy="363732"/>
-          </a:xfrm>
-          <a:prstGeom prst="wedgeRoundRectCallout">
-            <a:avLst>
-              <a:gd name="adj1" fmla="val -52508"/>
-              <a:gd name="adj2" fmla="val 91552"/>
-              <a:gd name="adj3" fmla="val 16667"/>
-            </a:avLst>
-          </a:prstGeom>
-        </p:spPr>
-        <p:style>
-          <a:lnRef idx="1">
-            <a:schemeClr val="accent3"/>
-          </a:lnRef>
-          <a:fillRef idx="2">
-            <a:schemeClr val="accent3"/>
-          </a:fillRef>
-          <a:effectRef idx="1">
-            <a:schemeClr val="accent3"/>
-          </a:effectRef>
-          <a:fontRef idx="minor">
-            <a:schemeClr val="dk1"/>
-          </a:fontRef>
-        </p:style>
-        <p:txBody>
-          <a:bodyPr rtlCol="0" anchor="ctr"/>
-          <a:lstStyle/>
-          <a:p>
-            <a:pPr algn="ctr"/>
-            <a:r>
-              <a:rPr lang="en-US" altLang="ko-KR" sz="1200" dirty="0">
+              </a:endParaRPr>
+            </a:p>
+          </p:txBody>
+        </p:sp>
+        <p:sp>
+          <p:nvSpPr>
+            <p:cNvPr id="17" name="모서리가 둥근 사각형 설명선 16"/>
+            <p:cNvSpPr/>
+            <p:nvPr/>
+          </p:nvSpPr>
+          <p:spPr>
+            <a:xfrm>
+              <a:off x="6450471" y="1425059"/>
+              <a:ext cx="1260140" cy="363732"/>
+            </a:xfrm>
+            <a:prstGeom prst="wedgeRoundRectCallout">
+              <a:avLst>
+                <a:gd name="adj1" fmla="val -126979"/>
+                <a:gd name="adj2" fmla="val 138813"/>
+                <a:gd name="adj3" fmla="val 16667"/>
+              </a:avLst>
+            </a:prstGeom>
+          </p:spPr>
+          <p:style>
+            <a:lnRef idx="1">
+              <a:schemeClr val="accent3"/>
+            </a:lnRef>
+            <a:fillRef idx="2">
+              <a:schemeClr val="accent3"/>
+            </a:fillRef>
+            <a:effectRef idx="1">
+              <a:schemeClr val="accent3"/>
+            </a:effectRef>
+            <a:fontRef idx="minor">
+              <a:schemeClr val="dk1"/>
+            </a:fontRef>
+          </p:style>
+          <p:txBody>
+            <a:bodyPr rtlCol="0" anchor="ctr"/>
+            <a:lstStyle/>
+            <a:p>
+              <a:pPr algn="ctr"/>
+              <a:r>
+                <a:rPr lang="en-US" altLang="ko-KR" sz="1200" dirty="0">
+                  <a:solidFill>
+                    <a:schemeClr val="dk1"/>
+                  </a:solidFill>
+                </a:rPr>
+                <a:t>1. </a:t>
+              </a:r>
+              <a:r>
+                <a:rPr lang="en-US" altLang="ko-KR" sz="1200" dirty="0" smtClean="0">
+                  <a:solidFill>
+                    <a:schemeClr val="dk1"/>
+                  </a:solidFill>
+                </a:rPr>
+                <a:t>Click</a:t>
+              </a:r>
+              <a:endParaRPr lang="ko-KR" altLang="en-US" sz="1200" dirty="0">
                 <a:solidFill>
                   <a:schemeClr val="dk1"/>
                 </a:solidFill>
-              </a:rPr>
-              <a:t>6. </a:t>
-            </a:r>
-            <a:r>
-              <a:rPr lang="ko-KR" altLang="en-US" sz="1200" dirty="0">
-                <a:solidFill>
-                  <a:schemeClr val="dk1"/>
-                </a:solidFill>
-              </a:rPr>
-              <a:t>체크해제</a:t>
-            </a:r>
-            <a:endParaRPr lang="ko-KR" altLang="en-US" sz="1200" dirty="0">
-              <a:solidFill>
-                <a:schemeClr val="dk1"/>
-              </a:solidFill>
-            </a:endParaRPr>
-          </a:p>
-        </p:txBody>
-      </p:sp>
-      <p:sp>
-        <p:nvSpPr>
-          <p:cNvPr id="15" name="모서리가 둥근 사각형 설명선 14"/>
-          <p:cNvSpPr/>
-          <p:nvPr/>
-        </p:nvSpPr>
-        <p:spPr>
-          <a:xfrm>
-            <a:off x="3707904" y="2505179"/>
-            <a:ext cx="1260140" cy="363732"/>
-          </a:xfrm>
-          <a:prstGeom prst="wedgeRoundRectCallout">
-            <a:avLst>
-              <a:gd name="adj1" fmla="val -126979"/>
-              <a:gd name="adj2" fmla="val 138813"/>
-              <a:gd name="adj3" fmla="val 16667"/>
-            </a:avLst>
-          </a:prstGeom>
-        </p:spPr>
-        <p:style>
-          <a:lnRef idx="1">
-            <a:schemeClr val="accent3"/>
-          </a:lnRef>
-          <a:fillRef idx="2">
-            <a:schemeClr val="accent3"/>
-          </a:fillRef>
-          <a:effectRef idx="1">
-            <a:schemeClr val="accent3"/>
-          </a:effectRef>
-          <a:fontRef idx="minor">
-            <a:schemeClr val="dk1"/>
-          </a:fontRef>
-        </p:style>
-        <p:txBody>
-          <a:bodyPr rtlCol="0" anchor="ctr"/>
-          <a:lstStyle/>
-          <a:p>
-            <a:pPr algn="ctr"/>
-            <a:r>
-              <a:rPr lang="en-US" altLang="ko-KR" sz="1200" dirty="0">
-                <a:solidFill>
-                  <a:schemeClr val="dk1"/>
-                </a:solidFill>
-              </a:rPr>
-              <a:t>4. </a:t>
-            </a:r>
-            <a:r>
-              <a:rPr lang="ko-KR" altLang="en-US" sz="1200" dirty="0">
-                <a:solidFill>
-                  <a:schemeClr val="dk1"/>
-                </a:solidFill>
-              </a:rPr>
-              <a:t>입력</a:t>
-            </a:r>
-            <a:endParaRPr lang="ko-KR" altLang="en-US" sz="1200" dirty="0">
-              <a:solidFill>
-                <a:schemeClr val="dk1"/>
-              </a:solidFill>
-            </a:endParaRPr>
-          </a:p>
-        </p:txBody>
-      </p:sp>
-      <p:sp>
-        <p:nvSpPr>
-          <p:cNvPr id="16" name="모서리가 둥근 사각형 설명선 15"/>
-          <p:cNvSpPr/>
-          <p:nvPr/>
-        </p:nvSpPr>
-        <p:spPr>
-          <a:xfrm>
-            <a:off x="3707904" y="4406431"/>
-            <a:ext cx="1032809" cy="432048"/>
-          </a:xfrm>
-          <a:prstGeom prst="wedgeRoundRectCallout">
-            <a:avLst>
-              <a:gd name="adj1" fmla="val -50733"/>
-              <a:gd name="adj2" fmla="val -121266"/>
-              <a:gd name="adj3" fmla="val 16667"/>
-            </a:avLst>
-          </a:prstGeom>
-        </p:spPr>
-        <p:style>
-          <a:lnRef idx="1">
-            <a:schemeClr val="accent3"/>
-          </a:lnRef>
-          <a:fillRef idx="2">
-            <a:schemeClr val="accent3"/>
-          </a:fillRef>
-          <a:effectRef idx="1">
-            <a:schemeClr val="accent3"/>
-          </a:effectRef>
-          <a:fontRef idx="minor">
-            <a:schemeClr val="dk1"/>
-          </a:fontRef>
-        </p:style>
-        <p:txBody>
-          <a:bodyPr rtlCol="0" anchor="ctr"/>
-          <a:lstStyle/>
-          <a:p>
-            <a:pPr algn="ctr"/>
-            <a:r>
-              <a:rPr lang="en-US" altLang="ko-KR" sz="1200" dirty="0">
-                <a:solidFill>
-                  <a:schemeClr val="dk1"/>
-                </a:solidFill>
-              </a:rPr>
-              <a:t>5. </a:t>
-            </a:r>
-            <a:r>
-              <a:rPr lang="ko-KR" altLang="en-US" sz="1200" dirty="0">
-                <a:solidFill>
-                  <a:schemeClr val="dk1"/>
-                </a:solidFill>
-              </a:rPr>
-              <a:t>클릭</a:t>
-            </a:r>
-            <a:endParaRPr lang="ko-KR" altLang="en-US" sz="1200" dirty="0">
-              <a:solidFill>
-                <a:schemeClr val="dk1"/>
-              </a:solidFill>
-            </a:endParaRPr>
-          </a:p>
-        </p:txBody>
-      </p:sp>
-      <p:sp>
-        <p:nvSpPr>
-          <p:cNvPr id="17" name="모서리가 둥근 사각형 설명선 16"/>
-          <p:cNvSpPr/>
-          <p:nvPr/>
-        </p:nvSpPr>
-        <p:spPr>
-          <a:xfrm>
-            <a:off x="6450471" y="1425059"/>
-            <a:ext cx="1260140" cy="363732"/>
-          </a:xfrm>
-          <a:prstGeom prst="wedgeRoundRectCallout">
-            <a:avLst>
-              <a:gd name="adj1" fmla="val -126979"/>
-              <a:gd name="adj2" fmla="val 138813"/>
-              <a:gd name="adj3" fmla="val 16667"/>
-            </a:avLst>
-          </a:prstGeom>
-        </p:spPr>
-        <p:style>
-          <a:lnRef idx="1">
-            <a:schemeClr val="accent3"/>
-          </a:lnRef>
-          <a:fillRef idx="2">
-            <a:schemeClr val="accent3"/>
-          </a:fillRef>
-          <a:effectRef idx="1">
-            <a:schemeClr val="accent3"/>
-          </a:effectRef>
-          <a:fontRef idx="minor">
-            <a:schemeClr val="dk1"/>
-          </a:fontRef>
-        </p:style>
-        <p:txBody>
-          <a:bodyPr rtlCol="0" anchor="ctr"/>
-          <a:lstStyle/>
-          <a:p>
-            <a:pPr algn="ctr"/>
-            <a:r>
-              <a:rPr lang="en-US" altLang="ko-KR" sz="1200" dirty="0">
-                <a:solidFill>
-                  <a:schemeClr val="dk1"/>
-                </a:solidFill>
-              </a:rPr>
-              <a:t>1. </a:t>
-            </a:r>
-            <a:r>
-              <a:rPr lang="ko-KR" altLang="en-US" sz="1200" dirty="0">
-                <a:solidFill>
-                  <a:schemeClr val="dk1"/>
-                </a:solidFill>
-              </a:rPr>
-              <a:t>클릭</a:t>
-            </a:r>
-            <a:endParaRPr lang="ko-KR" altLang="en-US" sz="1200" dirty="0">
-              <a:solidFill>
-                <a:schemeClr val="dk1"/>
-              </a:solidFill>
-            </a:endParaRPr>
-          </a:p>
-        </p:txBody>
-      </p:sp>
+              </a:endParaRPr>
+            </a:p>
+          </p:txBody>
+        </p:sp>
+      </p:grpSp>
       <p:sp>
         <p:nvSpPr>
           <p:cNvPr id="13" name="TextBox 12"/>
@@ -5779,12 +5764,12 @@
               <a:t>3. </a:t>
             </a:r>
             <a:r>
-              <a:rPr lang="ko-KR" altLang="en-US" sz="1200" dirty="0">
+              <a:rPr lang="en-US" altLang="ko-KR" sz="1200" dirty="0" smtClean="0">
                 <a:solidFill>
                   <a:schemeClr val="dk1"/>
                 </a:solidFill>
               </a:rPr>
-              <a:t>클릭</a:t>
+              <a:t>Click</a:t>
             </a:r>
             <a:endParaRPr lang="ko-KR" altLang="en-US" sz="1200" dirty="0">
               <a:solidFill>
@@ -5841,12 +5826,12 @@
               <a:t>2. </a:t>
             </a:r>
             <a:r>
-              <a:rPr lang="ko-KR" altLang="en-US" sz="1200" dirty="0">
+              <a:rPr lang="en-US" altLang="ko-KR" sz="1200" dirty="0" smtClean="0">
                 <a:solidFill>
                   <a:schemeClr val="dk1"/>
                 </a:solidFill>
               </a:rPr>
-              <a:t>체크</a:t>
+              <a:t>Check</a:t>
             </a:r>
             <a:endParaRPr lang="ko-KR" altLang="en-US" sz="1200" dirty="0">
               <a:solidFill>
@@ -5903,12 +5888,8 @@
               <a:t>1. </a:t>
             </a:r>
             <a:r>
-              <a:rPr lang="ko-KR" altLang="en-US" sz="1200" dirty="0">
-                <a:solidFill>
-                  <a:schemeClr val="dk1"/>
-                </a:solidFill>
-              </a:rPr>
-              <a:t>체크해제 확인</a:t>
+              <a:rPr lang="en-US" altLang="ko-KR" sz="1200" dirty="0" smtClean="0"/>
+              <a:t>Uncheck</a:t>
             </a:r>
             <a:endParaRPr lang="ko-KR" altLang="en-US" sz="1200" dirty="0">
               <a:solidFill>
@@ -6100,12 +6081,12 @@
               <a:t>. </a:t>
             </a:r>
             <a:r>
-              <a:rPr lang="ko-KR" altLang="en-US" sz="1200" dirty="0">
+              <a:rPr lang="en-US" altLang="ko-KR" sz="1200" dirty="0" smtClean="0">
                 <a:solidFill>
                   <a:schemeClr val="dk1"/>
                 </a:solidFill>
               </a:rPr>
-              <a:t>클릭</a:t>
+              <a:t>Click</a:t>
             </a:r>
             <a:endParaRPr lang="ko-KR" altLang="en-US" sz="1200" dirty="0">
               <a:solidFill>
@@ -6171,13 +6152,56 @@
       </p:pic>
       <p:sp>
         <p:nvSpPr>
-          <p:cNvPr id="9" name="모서리가 둥근 사각형 설명선 8"/>
+          <p:cNvPr id="8" name="TextBox 7"/>
+          <p:cNvSpPr txBox="1"/>
+          <p:nvPr/>
+        </p:nvSpPr>
+        <p:spPr>
+          <a:xfrm>
+            <a:off x="251520" y="219998"/>
+            <a:ext cx="8640960" cy="369332"/>
+          </a:xfrm>
+          <a:prstGeom prst="rect">
+            <a:avLst/>
+          </a:prstGeom>
+        </p:spPr>
+        <p:style>
+          <a:lnRef idx="0">
+            <a:schemeClr val="accent1"/>
+          </a:lnRef>
+          <a:fillRef idx="3">
+            <a:schemeClr val="accent1"/>
+          </a:fillRef>
+          <a:effectRef idx="3">
+            <a:schemeClr val="accent1"/>
+          </a:effectRef>
+          <a:fontRef idx="minor">
+            <a:schemeClr val="lt1"/>
+          </a:fontRef>
+        </p:style>
+        <p:txBody>
+          <a:bodyPr wrap="square" rtlCol="0">
+            <a:spAutoFit/>
+          </a:bodyPr>
+          <a:lstStyle/>
+          <a:p>
+            <a:r>
+              <a:rPr lang="en-US" altLang="ko-KR" dirty="0" smtClean="0"/>
+              <a:t>Install Plug-In of NEXCORE UML Modeler (3/3)</a:t>
+            </a:r>
+            <a:endParaRPr lang="ko-KR" altLang="en-US" dirty="0"/>
+          </a:p>
+        </p:txBody>
+      </p:sp>
+      <p:sp>
+        <p:nvSpPr>
+          <p:cNvPr id="11" name="모서리가 둥근 사각형 설명선 10"/>
           <p:cNvSpPr/>
           <p:nvPr/>
         </p:nvSpPr>
         <p:spPr>
           <a:xfrm>
-            <a:off x="7020272" y="4760788"/>
+            <a:off x="7020272" y="4732681"/>
             <a:ext cx="1032809" cy="432048"/>
           </a:xfrm>
           <a:prstGeom prst="wedgeRoundRectCallout">
@@ -6208,20 +6232,12 @@
           <a:p>
             <a:pPr algn="ctr"/>
             <a:r>
-              <a:rPr lang="en-US" altLang="ko-KR" sz="1200" dirty="0">
+              <a:rPr lang="en-US" altLang="ko-KR" sz="1200" dirty="0" smtClean="0">
                 <a:solidFill>
                   <a:schemeClr val="dk1"/>
                 </a:solidFill>
               </a:rPr>
-              <a:t>2. </a:t>
-            </a:r>
-            <a:r>
-              <a:rPr lang="ko-KR" altLang="en-US" sz="1200" dirty="0">
-                <a:solidFill>
-                  <a:schemeClr val="dk1"/>
-                </a:solidFill>
-              </a:rPr>
-              <a:t>클릭</a:t>
+              <a:t>2. Click</a:t>
             </a:r>
             <a:endParaRPr lang="ko-KR" altLang="en-US" sz="1200" dirty="0">
               <a:solidFill>
@@ -6233,13 +6249,13 @@
       </p:sp>
       <p:sp>
         <p:nvSpPr>
-          <p:cNvPr id="10" name="모서리가 둥근 사각형 설명선 9"/>
+          <p:cNvPr id="12" name="모서리가 둥근 사각형 설명선 11"/>
           <p:cNvSpPr/>
           <p:nvPr/>
         </p:nvSpPr>
         <p:spPr>
           <a:xfrm>
-            <a:off x="7543547" y="5445224"/>
+            <a:off x="7668344" y="5445224"/>
             <a:ext cx="1032809" cy="432048"/>
           </a:xfrm>
           <a:prstGeom prst="wedgeRoundRectCallout">
@@ -6270,69 +6286,18 @@
           <a:p>
             <a:pPr algn="ctr"/>
             <a:r>
-              <a:rPr lang="en-US" altLang="ko-KR" sz="1200" dirty="0">
+              <a:rPr lang="en-US" altLang="ko-KR" sz="1200" dirty="0" smtClean="0">
                 <a:solidFill>
                   <a:schemeClr val="dk1"/>
                 </a:solidFill>
               </a:rPr>
-              <a:t>3. </a:t>
-            </a:r>
-            <a:r>
-              <a:rPr lang="ko-KR" altLang="en-US" sz="1200" dirty="0">
-                <a:solidFill>
-                  <a:schemeClr val="dk1"/>
-                </a:solidFill>
-              </a:rPr>
-              <a:t>클릭</a:t>
+              <a:t>3. Click</a:t>
             </a:r>
             <a:endParaRPr lang="ko-KR" altLang="en-US" sz="1200" dirty="0">
               <a:solidFill>
                 <a:schemeClr val="dk1"/>
               </a:solidFill>
             </a:endParaRPr>
-          </a:p>
-        </p:txBody>
-      </p:sp>
-      <p:sp>
-        <p:nvSpPr>
-          <p:cNvPr id="8" name="TextBox 7"/>
-          <p:cNvSpPr txBox="1"/>
-          <p:nvPr/>
-        </p:nvSpPr>
-        <p:spPr>
-          <a:xfrm>
-            <a:off x="251520" y="219998"/>
-            <a:ext cx="8640960" cy="369332"/>
-          </a:xfrm>
-          <a:prstGeom prst="rect">
-            <a:avLst/>
-          </a:prstGeom>
-        </p:spPr>
-        <p:style>
-          <a:lnRef idx="0">
-            <a:schemeClr val="accent1"/>
-          </a:lnRef>
-          <a:fillRef idx="3">
-            <a:schemeClr val="accent1"/>
-          </a:fillRef>
-          <a:effectRef idx="3">
-            <a:schemeClr val="accent1"/>
-          </a:effectRef>
-          <a:fontRef idx="minor">
-            <a:schemeClr val="lt1"/>
-          </a:fontRef>
-        </p:style>
-        <p:txBody>
-          <a:bodyPr wrap="square" rtlCol="0">
-            <a:spAutoFit/>
-          </a:bodyPr>
-          <a:lstStyle/>
-          <a:p>
-            <a:r>
-              <a:rPr lang="en-US" altLang="ko-KR" dirty="0" smtClean="0"/>
-              <a:t>Install Plug-In of NEXCORE UML Modeler (3/3)</a:t>
-            </a:r>
-            <a:endParaRPr lang="ko-KR" altLang="en-US" dirty="0"/>
           </a:p>
         </p:txBody>
       </p:sp>
@@ -6477,12 +6442,12 @@
         <p:spPr>
           <a:xfrm>
             <a:off x="4703862" y="3145260"/>
-            <a:ext cx="1008112" cy="432048"/>
+            <a:ext cx="1380306" cy="432048"/>
           </a:xfrm>
           <a:prstGeom prst="wedgeRoundRectCallout">
             <a:avLst>
-              <a:gd name="adj1" fmla="val -101459"/>
-              <a:gd name="adj2" fmla="val 143335"/>
+              <a:gd name="adj1" fmla="val -81001"/>
+              <a:gd name="adj2" fmla="val 137110"/>
               <a:gd name="adj3" fmla="val 16667"/>
             </a:avLst>
           </a:prstGeom>
@@ -6508,7 +6473,7 @@
             <a:pPr algn="ctr"/>
             <a:r>
               <a:rPr lang="en-US" altLang="ko-KR" sz="1200" dirty="0" smtClean="0"/>
-              <a:t>run</a:t>
+              <a:t>Run Eclipse</a:t>
             </a:r>
             <a:endParaRPr lang="ko-KR" altLang="en-US" sz="1200" dirty="0"/>
           </a:p>
